--- a/resorce/image/ppt/demo.pptx
+++ b/resorce/image/ppt/demo.pptx
@@ -259,7 +259,7 @@
           <a:p>
             <a:fld id="{705A42E7-6F72-4046-9153-AD6FB019CD6A}" type="datetimeFigureOut">
               <a:rPr lang="ko-KR" altLang="en-US" smtClean="0"/>
-              <a:t>2020-05-03</a:t>
+              <a:t>2020-05-04</a:t>
             </a:fld>
             <a:endParaRPr lang="ko-KR" altLang="en-US"/>
           </a:p>
@@ -457,7 +457,7 @@
           <a:p>
             <a:fld id="{705A42E7-6F72-4046-9153-AD6FB019CD6A}" type="datetimeFigureOut">
               <a:rPr lang="ko-KR" altLang="en-US" smtClean="0"/>
-              <a:t>2020-05-03</a:t>
+              <a:t>2020-05-04</a:t>
             </a:fld>
             <a:endParaRPr lang="ko-KR" altLang="en-US"/>
           </a:p>
@@ -665,7 +665,7 @@
           <a:p>
             <a:fld id="{705A42E7-6F72-4046-9153-AD6FB019CD6A}" type="datetimeFigureOut">
               <a:rPr lang="ko-KR" altLang="en-US" smtClean="0"/>
-              <a:t>2020-05-03</a:t>
+              <a:t>2020-05-04</a:t>
             </a:fld>
             <a:endParaRPr lang="ko-KR" altLang="en-US"/>
           </a:p>
@@ -863,7 +863,7 @@
           <a:p>
             <a:fld id="{705A42E7-6F72-4046-9153-AD6FB019CD6A}" type="datetimeFigureOut">
               <a:rPr lang="ko-KR" altLang="en-US" smtClean="0"/>
-              <a:t>2020-05-03</a:t>
+              <a:t>2020-05-04</a:t>
             </a:fld>
             <a:endParaRPr lang="ko-KR" altLang="en-US"/>
           </a:p>
@@ -1138,7 +1138,7 @@
           <a:p>
             <a:fld id="{705A42E7-6F72-4046-9153-AD6FB019CD6A}" type="datetimeFigureOut">
               <a:rPr lang="ko-KR" altLang="en-US" smtClean="0"/>
-              <a:t>2020-05-03</a:t>
+              <a:t>2020-05-04</a:t>
             </a:fld>
             <a:endParaRPr lang="ko-KR" altLang="en-US"/>
           </a:p>
@@ -1403,7 +1403,7 @@
           <a:p>
             <a:fld id="{705A42E7-6F72-4046-9153-AD6FB019CD6A}" type="datetimeFigureOut">
               <a:rPr lang="ko-KR" altLang="en-US" smtClean="0"/>
-              <a:t>2020-05-03</a:t>
+              <a:t>2020-05-04</a:t>
             </a:fld>
             <a:endParaRPr lang="ko-KR" altLang="en-US"/>
           </a:p>
@@ -1815,7 +1815,7 @@
           <a:p>
             <a:fld id="{705A42E7-6F72-4046-9153-AD6FB019CD6A}" type="datetimeFigureOut">
               <a:rPr lang="ko-KR" altLang="en-US" smtClean="0"/>
-              <a:t>2020-05-03</a:t>
+              <a:t>2020-05-04</a:t>
             </a:fld>
             <a:endParaRPr lang="ko-KR" altLang="en-US"/>
           </a:p>
@@ -1956,7 +1956,7 @@
           <a:p>
             <a:fld id="{705A42E7-6F72-4046-9153-AD6FB019CD6A}" type="datetimeFigureOut">
               <a:rPr lang="ko-KR" altLang="en-US" smtClean="0"/>
-              <a:t>2020-05-03</a:t>
+              <a:t>2020-05-04</a:t>
             </a:fld>
             <a:endParaRPr lang="ko-KR" altLang="en-US"/>
           </a:p>
@@ -2069,7 +2069,7 @@
           <a:p>
             <a:fld id="{705A42E7-6F72-4046-9153-AD6FB019CD6A}" type="datetimeFigureOut">
               <a:rPr lang="ko-KR" altLang="en-US" smtClean="0"/>
-              <a:t>2020-05-03</a:t>
+              <a:t>2020-05-04</a:t>
             </a:fld>
             <a:endParaRPr lang="ko-KR" altLang="en-US"/>
           </a:p>
@@ -2380,7 +2380,7 @@
           <a:p>
             <a:fld id="{705A42E7-6F72-4046-9153-AD6FB019CD6A}" type="datetimeFigureOut">
               <a:rPr lang="ko-KR" altLang="en-US" smtClean="0"/>
-              <a:t>2020-05-03</a:t>
+              <a:t>2020-05-04</a:t>
             </a:fld>
             <a:endParaRPr lang="ko-KR" altLang="en-US"/>
           </a:p>
@@ -2668,7 +2668,7 @@
           <a:p>
             <a:fld id="{705A42E7-6F72-4046-9153-AD6FB019CD6A}" type="datetimeFigureOut">
               <a:rPr lang="ko-KR" altLang="en-US" smtClean="0"/>
-              <a:t>2020-05-03</a:t>
+              <a:t>2020-05-04</a:t>
             </a:fld>
             <a:endParaRPr lang="ko-KR" altLang="en-US"/>
           </a:p>
@@ -2909,7 +2909,7 @@
           <a:p>
             <a:fld id="{705A42E7-6F72-4046-9153-AD6FB019CD6A}" type="datetimeFigureOut">
               <a:rPr lang="ko-KR" altLang="en-US" smtClean="0"/>
-              <a:t>2020-05-03</a:t>
+              <a:t>2020-05-04</a:t>
             </a:fld>
             <a:endParaRPr lang="ko-KR" altLang="en-US"/>
           </a:p>
@@ -3328,10 +3328,10 @@
       </p:grpSpPr>
       <p:pic>
         <p:nvPicPr>
-          <p:cNvPr id="3" name="그림 2">
-            <a:extLst>
-              <a:ext uri="{FF2B5EF4-FFF2-40B4-BE49-F238E27FC236}">
-                <a16:creationId xmlns:a16="http://schemas.microsoft.com/office/drawing/2014/main" id="{6DCDC7CA-F84A-452C-9FEB-4EC4B1F92340}"/>
+          <p:cNvPr id="2" name="그림 1">
+            <a:extLst>
+              <a:ext uri="{FF2B5EF4-FFF2-40B4-BE49-F238E27FC236}">
+                <a16:creationId xmlns:a16="http://schemas.microsoft.com/office/drawing/2014/main" id="{51546387-6536-4BD7-A7B2-28B21B7E68CD}"/>
               </a:ext>
             </a:extLst>
           </p:cNvPr>
@@ -3341,21 +3341,15 @@
           <p:nvPr/>
         </p:nvPicPr>
         <p:blipFill>
-          <a:blip r:embed="rId2">
-            <a:extLst>
-              <a:ext uri="{28A0092B-C50C-407E-A947-70E740481C1C}">
-                <a14:useLocalDpi xmlns:a14="http://schemas.microsoft.com/office/drawing/2010/main" val="0"/>
-              </a:ext>
-            </a:extLst>
-          </a:blip>
+          <a:blip r:embed="rId2"/>
           <a:stretch>
             <a:fillRect/>
           </a:stretch>
         </p:blipFill>
         <p:spPr>
           <a:xfrm>
-            <a:off x="1707833" y="0"/>
-            <a:ext cx="8200938" cy="6066204"/>
+            <a:off x="1446508" y="0"/>
+            <a:ext cx="9298983" cy="6858000"/>
           </a:xfrm>
           <a:prstGeom prst="rect">
             <a:avLst/>
@@ -3364,47 +3358,56 @@
       </p:pic>
       <p:sp>
         <p:nvSpPr>
-          <p:cNvPr id="5" name="TextBox 4">
-            <a:extLst>
-              <a:ext uri="{FF2B5EF4-FFF2-40B4-BE49-F238E27FC236}">
-                <a16:creationId xmlns:a16="http://schemas.microsoft.com/office/drawing/2014/main" id="{EFA6646F-EC4F-404B-8458-585A2957868D}"/>
-              </a:ext>
-            </a:extLst>
-          </p:cNvPr>
-          <p:cNvSpPr txBox="1"/>
+          <p:cNvPr id="4" name="타원 3">
+            <a:extLst>
+              <a:ext uri="{FF2B5EF4-FFF2-40B4-BE49-F238E27FC236}">
+                <a16:creationId xmlns:a16="http://schemas.microsoft.com/office/drawing/2014/main" id="{5C6FF3F8-9263-49AB-AD4E-E24E56F645EC}"/>
+              </a:ext>
+            </a:extLst>
+          </p:cNvPr>
+          <p:cNvSpPr/>
           <p:nvPr/>
         </p:nvSpPr>
         <p:spPr>
           <a:xfrm>
-            <a:off x="2610932" y="5734271"/>
-            <a:ext cx="6970135" cy="1015663"/>
+            <a:off x="6166338" y="1438870"/>
+            <a:ext cx="1827288" cy="1863970"/>
           </a:xfrm>
-          <a:prstGeom prst="rect">
+          <a:prstGeom prst="ellipse">
             <a:avLst/>
           </a:prstGeom>
-          <a:noFill/>
+          <a:solidFill>
+            <a:schemeClr val="bg2">
+              <a:lumMod val="90000"/>
+              <a:alpha val="66000"/>
+            </a:schemeClr>
+          </a:solidFill>
+          <a:ln>
+            <a:noFill/>
+          </a:ln>
         </p:spPr>
-        <p:txBody>
-          <a:bodyPr wrap="square" rtlCol="0">
-            <a:spAutoFit/>
-          </a:bodyPr>
-          <a:lstStyle/>
-          <a:p>
-            <a:r>
-              <a:rPr lang="en-US" altLang="ko-KR" sz="6000" b="1" dirty="0">
-                <a:solidFill>
-                  <a:srgbClr val="10CDFF"/>
-                </a:solidFill>
-                <a:latin typeface="Lucida Console" panose="020B0609040504020204" pitchFamily="49" charset="0"/>
-              </a:rPr>
-              <a:t>Coming Soon..!</a:t>
-            </a:r>
-            <a:endParaRPr lang="ko-KR" altLang="en-US" sz="6000" b="1" dirty="0">
-              <a:solidFill>
-                <a:srgbClr val="10CDFF"/>
-              </a:solidFill>
-              <a:latin typeface="Lucida Console" panose="020B0609040504020204" pitchFamily="49" charset="0"/>
-            </a:endParaRPr>
+        <p:style>
+          <a:lnRef idx="2">
+            <a:schemeClr val="accent1">
+              <a:shade val="50000"/>
+            </a:schemeClr>
+          </a:lnRef>
+          <a:fillRef idx="1">
+            <a:schemeClr val="accent1"/>
+          </a:fillRef>
+          <a:effectRef idx="0">
+            <a:schemeClr val="accent1"/>
+          </a:effectRef>
+          <a:fontRef idx="minor">
+            <a:schemeClr val="lt1"/>
+          </a:fontRef>
+        </p:style>
+        <p:txBody>
+          <a:bodyPr rtlCol="0" anchor="ctr"/>
+          <a:lstStyle/>
+          <a:p>
+            <a:pPr algn="ctr"/>
+            <a:endParaRPr lang="ko-KR" altLang="en-US" dirty="0"/>
           </a:p>
         </p:txBody>
       </p:sp>
